--- a/docs/introToCloudCourse/presentations/ExperimentOverview.pptx
+++ b/docs/introToCloudCourse/presentations/ExperimentOverview.pptx
@@ -6484,6 +6484,48 @@
           </a:p>
         </p:txBody>
       </p:sp>
+      <p:sp>
+        <p:nvSpPr>
+          <p:cNvPr id="2" name="TextBox 1">
+            <a:extLst>
+              <a:ext uri="{FF2B5EF4-FFF2-40B4-BE49-F238E27FC236}">
+                <a16:creationId xmlns:a16="http://schemas.microsoft.com/office/drawing/2014/main" id="{CBA0492F-5B42-25CF-7DE5-76CFBB1B2FBD}"/>
+              </a:ext>
+            </a:extLst>
+          </p:cNvPr>
+          <p:cNvSpPr txBox="1"/>
+          <p:nvPr/>
+        </p:nvSpPr>
+        <p:spPr>
+          <a:xfrm>
+            <a:off x="3068515" y="151704"/>
+            <a:ext cx="3006970" cy="400110"/>
+          </a:xfrm>
+          <a:prstGeom prst="rect">
+            <a:avLst/>
+          </a:prstGeom>
+          <a:noFill/>
+        </p:spPr>
+        <p:txBody>
+          <a:bodyPr wrap="square" rtlCol="0">
+            <a:spAutoFit/>
+          </a:bodyPr>
+          <a:lstStyle/>
+          <a:p>
+            <a:pPr algn="ctr"/>
+            <a:r>
+              <a:rPr lang="en-US" sz="2000" b="1" i="1" dirty="0">
+                <a:solidFill>
+                  <a:schemeClr val="bg1"/>
+                </a:solidFill>
+                <a:latin typeface="Lucida Sans Unicode" panose="020B0602030504020204" pitchFamily="34" charset="0"/>
+                <a:cs typeface="Lucida Sans Unicode" panose="020B0602030504020204" pitchFamily="34" charset="0"/>
+              </a:rPr>
+              <a:t>C. elegans</a:t>
+            </a:r>
+          </a:p>
+        </p:txBody>
+      </p:sp>
     </p:spTree>
     <p:extLst>
       <p:ext uri="{BB962C8B-B14F-4D97-AF65-F5344CB8AC3E}">
@@ -7298,6 +7340,48 @@
                 <a:cs typeface="Lucida Sans Unicode" panose="020B0602030504020204" pitchFamily="34" charset="0"/>
               </a:rPr>
               <a:t>ploy = polysome bound RNA </a:t>
+            </a:r>
+          </a:p>
+        </p:txBody>
+      </p:sp>
+      <p:sp>
+        <p:nvSpPr>
+          <p:cNvPr id="2" name="TextBox 1">
+            <a:extLst>
+              <a:ext uri="{FF2B5EF4-FFF2-40B4-BE49-F238E27FC236}">
+                <a16:creationId xmlns:a16="http://schemas.microsoft.com/office/drawing/2014/main" id="{D961FC98-3E96-D5CE-C39B-F75D398F0EE7}"/>
+              </a:ext>
+            </a:extLst>
+          </p:cNvPr>
+          <p:cNvSpPr txBox="1"/>
+          <p:nvPr/>
+        </p:nvSpPr>
+        <p:spPr>
+          <a:xfrm>
+            <a:off x="3068515" y="151704"/>
+            <a:ext cx="3006970" cy="400110"/>
+          </a:xfrm>
+          <a:prstGeom prst="rect">
+            <a:avLst/>
+          </a:prstGeom>
+          <a:noFill/>
+        </p:spPr>
+        <p:txBody>
+          <a:bodyPr wrap="square" rtlCol="0">
+            <a:spAutoFit/>
+          </a:bodyPr>
+          <a:lstStyle/>
+          <a:p>
+            <a:pPr algn="ctr"/>
+            <a:r>
+              <a:rPr lang="en-US" sz="2000" b="1" i="1" dirty="0">
+                <a:solidFill>
+                  <a:schemeClr val="bg1"/>
+                </a:solidFill>
+                <a:latin typeface="Lucida Sans Unicode" panose="020B0602030504020204" pitchFamily="34" charset="0"/>
+                <a:cs typeface="Lucida Sans Unicode" panose="020B0602030504020204" pitchFamily="34" charset="0"/>
+              </a:rPr>
+              <a:t>C. elegans</a:t>
             </a:r>
           </a:p>
         </p:txBody>
